--- a/51_Buff Beds_Part4.pptx
+++ b/51_Buff Beds_Part4.pptx
@@ -12,7 +12,8 @@
     <p:sldId id="260" r:id="rId6"/>
     <p:sldId id="261" r:id="rId7"/>
     <p:sldId id="262" r:id="rId8"/>
-    <p:sldId id="263" r:id="rId9"/>
+    <p:sldId id="264" r:id="rId9"/>
+    <p:sldId id="263" r:id="rId10"/>
   </p:sldIdLst>
   <p:sldSz cx="12192000" cy="6858000"/>
   <p:notesSz cx="6858000" cy="9144000"/>
@@ -111,7 +112,16 @@
       </a:defRPr>
     </a:lvl9pPr>
   </p:defaultTextStyle>
+  <p:extLst>
+    <p:ext uri="{EFAFB233-063F-42B5-8137-9DF3F51BA10A}">
+      <p15:sldGuideLst xmlns:p15="http://schemas.microsoft.com/office/powerpoint/2012/main"/>
+    </p:ext>
+  </p:extLst>
 </p:presentation>
+</file>
+
+<file path=ppt/revisionInfo.xml><?xml version="1.0" encoding="utf-8"?>
+<p1510:revInfo xmlns:a="http://schemas.openxmlformats.org/drawingml/2006/main" xmlns:r="http://schemas.openxmlformats.org/officeDocument/2006/relationships" xmlns:p1510="http://schemas.microsoft.com/office/powerpoint/2015/10/main"/>
 </file>
 
 <file path=ppt/slideLayouts/slideLayout1.xml><?xml version="1.0" encoding="utf-8"?>
@@ -6790,6 +6800,125 @@
           <p:cNvPr id="2" name="Title 1">
             <a:extLst>
               <a:ext uri="{FF2B5EF4-FFF2-40B4-BE49-F238E27FC236}">
+                <a16:creationId xmlns:a16="http://schemas.microsoft.com/office/drawing/2014/main" id="{5632CE2D-E0C8-4C91-B4F2-F542051BAA03}"/>
+              </a:ext>
+            </a:extLst>
+          </p:cNvPr>
+          <p:cNvSpPr>
+            <a:spLocks noGrp="1"/>
+          </p:cNvSpPr>
+          <p:nvPr>
+            <p:ph type="title"/>
+          </p:nvPr>
+        </p:nvSpPr>
+        <p:spPr/>
+        <p:txBody>
+          <a:bodyPr/>
+          <a:lstStyle/>
+          <a:p>
+            <a:r>
+              <a:rPr lang="en-IN" dirty="0"/>
+              <a:t>Key Learnings</a:t>
+            </a:r>
+            <a:endParaRPr lang="en-US" dirty="0"/>
+          </a:p>
+        </p:txBody>
+      </p:sp>
+      <p:sp>
+        <p:nvSpPr>
+          <p:cNvPr id="3" name="Content Placeholder 2">
+            <a:extLst>
+              <a:ext uri="{FF2B5EF4-FFF2-40B4-BE49-F238E27FC236}">
+                <a16:creationId xmlns:a16="http://schemas.microsoft.com/office/drawing/2014/main" id="{6F9F47C2-F60B-4857-A78C-E67F810FA71F}"/>
+              </a:ext>
+            </a:extLst>
+          </p:cNvPr>
+          <p:cNvSpPr>
+            <a:spLocks noGrp="1"/>
+          </p:cNvSpPr>
+          <p:nvPr>
+            <p:ph idx="1"/>
+          </p:nvPr>
+        </p:nvSpPr>
+        <p:spPr/>
+        <p:txBody>
+          <a:bodyPr>
+            <a:normAutofit fontScale="92500" lnSpcReduction="20000"/>
+          </a:bodyPr>
+          <a:lstStyle/>
+          <a:p>
+            <a:r>
+              <a:rPr lang="en-IN" dirty="0"/>
+              <a:t>Planned to use Factory Design Pattern to create new users, but it returns one of the several classes instead of one specific task. So we decided to use constructors.</a:t>
+            </a:r>
+          </a:p>
+          <a:p>
+            <a:r>
+              <a:rPr lang="en-US" dirty="0"/>
+              <a:t>It is extremely important to spend a good amount of time on analyzing and designing the system before implementing it. </a:t>
+            </a:r>
+          </a:p>
+          <a:p>
+            <a:r>
+              <a:rPr lang="en-US" dirty="0"/>
+              <a:t>Software is naturally intangible, it is not easy to make the code portable and readable across the team. Sketching out the diagrams that enabled us pen our ideas</a:t>
+            </a:r>
+          </a:p>
+          <a:p>
+            <a:r>
+              <a:rPr lang="en-US" dirty="0"/>
+              <a:t>Refactoring of the design helped us to remove our flaws and make our design more simple. </a:t>
+            </a:r>
+          </a:p>
+          <a:p>
+            <a:r>
+              <a:rPr lang="en-US" dirty="0"/>
+              <a:t>We found the class diagram to be most useful as it clearly iterates software modules needed to be implemented along with attributes and methods. So, most of the implementation part was creating those same exact classes. </a:t>
+            </a:r>
+          </a:p>
+          <a:p>
+            <a:r>
+              <a:rPr lang="en-US" dirty="0"/>
+              <a:t>The design patterns helped us making our code more readable and easy to implement. This class has changed our approach in design a software and we would obviously implemented in our future designs. </a:t>
+            </a:r>
+          </a:p>
+        </p:txBody>
+      </p:sp>
+    </p:spTree>
+    <p:extLst>
+      <p:ext uri="{BB962C8B-B14F-4D97-AF65-F5344CB8AC3E}">
+        <p14:creationId xmlns:p14="http://schemas.microsoft.com/office/powerpoint/2010/main" val="4104336314"/>
+      </p:ext>
+    </p:extLst>
+  </p:cSld>
+  <p:clrMapOvr>
+    <a:masterClrMapping/>
+  </p:clrMapOvr>
+</p:sld>
+</file>
+
+<file path=ppt/slides/slide9.xml><?xml version="1.0" encoding="utf-8"?>
+<p:sld xmlns:a="http://schemas.openxmlformats.org/drawingml/2006/main" xmlns:r="http://schemas.openxmlformats.org/officeDocument/2006/relationships" xmlns:p="http://schemas.openxmlformats.org/presentationml/2006/main">
+  <p:cSld>
+    <p:spTree>
+      <p:nvGrpSpPr>
+        <p:cNvPr id="1" name=""/>
+        <p:cNvGrpSpPr/>
+        <p:nvPr/>
+      </p:nvGrpSpPr>
+      <p:grpSpPr>
+        <a:xfrm>
+          <a:off x="0" y="0"/>
+          <a:ext cx="0" cy="0"/>
+          <a:chOff x="0" y="0"/>
+          <a:chExt cx="0" cy="0"/>
+        </a:xfrm>
+      </p:grpSpPr>
+      <p:sp>
+        <p:nvSpPr>
+          <p:cNvPr id="2" name="Title 1">
+            <a:extLst>
+              <a:ext uri="{FF2B5EF4-FFF2-40B4-BE49-F238E27FC236}">
                 <a16:creationId xmlns:a16="http://schemas.microsoft.com/office/drawing/2014/main" id="{F9F58303-697E-4FE5-8C12-76FAF3969EA7}"/>
               </a:ext>
             </a:extLst>
